--- a/images/reduxflow.pptx
+++ b/images/reduxflow.pptx
@@ -260,7 +260,7 @@
           <a:p>
             <a:fld id="{97D8618B-6391-465C-8128-22C529F752F4}" type="datetimeFigureOut">
               <a:rPr lang="en-US" smtClean="0"/>
-              <a:t>3/29/2020</a:t>
+              <a:t>3/30/2020</a:t>
             </a:fld>
             <a:endParaRPr lang="en-US"/>
           </a:p>
@@ -458,7 +458,7 @@
           <a:p>
             <a:fld id="{97D8618B-6391-465C-8128-22C529F752F4}" type="datetimeFigureOut">
               <a:rPr lang="en-US" smtClean="0"/>
-              <a:t>3/29/2020</a:t>
+              <a:t>3/30/2020</a:t>
             </a:fld>
             <a:endParaRPr lang="en-US"/>
           </a:p>
@@ -666,7 +666,7 @@
           <a:p>
             <a:fld id="{97D8618B-6391-465C-8128-22C529F752F4}" type="datetimeFigureOut">
               <a:rPr lang="en-US" smtClean="0"/>
-              <a:t>3/29/2020</a:t>
+              <a:t>3/30/2020</a:t>
             </a:fld>
             <a:endParaRPr lang="en-US"/>
           </a:p>
@@ -864,7 +864,7 @@
           <a:p>
             <a:fld id="{97D8618B-6391-465C-8128-22C529F752F4}" type="datetimeFigureOut">
               <a:rPr lang="en-US" smtClean="0"/>
-              <a:t>3/29/2020</a:t>
+              <a:t>3/30/2020</a:t>
             </a:fld>
             <a:endParaRPr lang="en-US"/>
           </a:p>
@@ -1139,7 +1139,7 @@
           <a:p>
             <a:fld id="{97D8618B-6391-465C-8128-22C529F752F4}" type="datetimeFigureOut">
               <a:rPr lang="en-US" smtClean="0"/>
-              <a:t>3/29/2020</a:t>
+              <a:t>3/30/2020</a:t>
             </a:fld>
             <a:endParaRPr lang="en-US"/>
           </a:p>
@@ -1404,7 +1404,7 @@
           <a:p>
             <a:fld id="{97D8618B-6391-465C-8128-22C529F752F4}" type="datetimeFigureOut">
               <a:rPr lang="en-US" smtClean="0"/>
-              <a:t>3/29/2020</a:t>
+              <a:t>3/30/2020</a:t>
             </a:fld>
             <a:endParaRPr lang="en-US"/>
           </a:p>
@@ -1816,7 +1816,7 @@
           <a:p>
             <a:fld id="{97D8618B-6391-465C-8128-22C529F752F4}" type="datetimeFigureOut">
               <a:rPr lang="en-US" smtClean="0"/>
-              <a:t>3/29/2020</a:t>
+              <a:t>3/30/2020</a:t>
             </a:fld>
             <a:endParaRPr lang="en-US"/>
           </a:p>
@@ -1957,7 +1957,7 @@
           <a:p>
             <a:fld id="{97D8618B-6391-465C-8128-22C529F752F4}" type="datetimeFigureOut">
               <a:rPr lang="en-US" smtClean="0"/>
-              <a:t>3/29/2020</a:t>
+              <a:t>3/30/2020</a:t>
             </a:fld>
             <a:endParaRPr lang="en-US"/>
           </a:p>
@@ -2070,7 +2070,7 @@
           <a:p>
             <a:fld id="{97D8618B-6391-465C-8128-22C529F752F4}" type="datetimeFigureOut">
               <a:rPr lang="en-US" smtClean="0"/>
-              <a:t>3/29/2020</a:t>
+              <a:t>3/30/2020</a:t>
             </a:fld>
             <a:endParaRPr lang="en-US"/>
           </a:p>
@@ -2381,7 +2381,7 @@
           <a:p>
             <a:fld id="{97D8618B-6391-465C-8128-22C529F752F4}" type="datetimeFigureOut">
               <a:rPr lang="en-US" smtClean="0"/>
-              <a:t>3/29/2020</a:t>
+              <a:t>3/30/2020</a:t>
             </a:fld>
             <a:endParaRPr lang="en-US"/>
           </a:p>
@@ -2669,7 +2669,7 @@
           <a:p>
             <a:fld id="{97D8618B-6391-465C-8128-22C529F752F4}" type="datetimeFigureOut">
               <a:rPr lang="en-US" smtClean="0"/>
-              <a:t>3/29/2020</a:t>
+              <a:t>3/30/2020</a:t>
             </a:fld>
             <a:endParaRPr lang="en-US"/>
           </a:p>
@@ -2910,7 +2910,7 @@
           <a:p>
             <a:fld id="{97D8618B-6391-465C-8128-22C529F752F4}" type="datetimeFigureOut">
               <a:rPr lang="en-US" smtClean="0"/>
-              <a:t>3/29/2020</a:t>
+              <a:t>3/30/2020</a:t>
             </a:fld>
             <a:endParaRPr lang="en-US"/>
           </a:p>
@@ -3867,7 +3867,7 @@
         </p:nvSpPr>
         <p:spPr>
           <a:xfrm>
-            <a:off x="2573518" y="697584"/>
+            <a:off x="2581469" y="864562"/>
             <a:ext cx="7016684" cy="584775"/>
           </a:xfrm>
           <a:prstGeom prst="rect">
@@ -5996,7 +5996,7 @@
         </p:nvSpPr>
         <p:spPr>
           <a:xfrm>
-            <a:off x="2210461" y="697584"/>
+            <a:off x="2210461" y="832751"/>
             <a:ext cx="7537837" cy="584775"/>
           </a:xfrm>
           <a:prstGeom prst="rect">

--- a/images/reduxflow.pptx
+++ b/images/reduxflow.pptx
@@ -3342,7 +3342,7 @@
         <p:spPr>
           <a:xfrm>
             <a:off x="4464682" y="3917130"/>
-            <a:ext cx="1324418" cy="916201"/>
+            <a:ext cx="1324418" cy="1041368"/>
           </a:xfrm>
           <a:prstGeom prst="roundRect">
             <a:avLst/>
@@ -3798,8 +3798,8 @@
         </p:nvSpPr>
         <p:spPr>
           <a:xfrm>
-            <a:off x="4653189" y="4264356"/>
-            <a:ext cx="921191" cy="422262"/>
+            <a:off x="4653189" y="4264355"/>
+            <a:ext cx="921191" cy="427343"/>
           </a:xfrm>
           <a:prstGeom prst="roundRect">
             <a:avLst/>
@@ -3828,7 +3828,7 @@
           </a:fontRef>
         </p:style>
         <p:txBody>
-          <a:bodyPr rtlCol="0" anchor="ctr">
+          <a:bodyPr tIns="0" rtlCol="0" anchor="t" anchorCtr="0">
             <a:noAutofit/>
           </a:bodyPr>
           <a:lstStyle/>
@@ -5205,6 +5205,7 @@
             </a:extLst>
           </p:cNvPr>
           <p:cNvCxnSpPr>
+            <a:cxnSpLocks/>
             <a:stCxn id="8" idx="2"/>
             <a:endCxn id="9" idx="0"/>
           </p:cNvCxnSpPr>
@@ -5213,7 +5214,7 @@
         <p:spPr>
           <a:xfrm flipH="1">
             <a:off x="5113785" y="3659093"/>
-            <a:ext cx="4" cy="605263"/>
+            <a:ext cx="4" cy="605262"/>
           </a:xfrm>
           <a:prstGeom prst="straightConnector1">
             <a:avLst/>
@@ -5283,6 +5284,7 @@
             </a:extLst>
           </p:cNvPr>
           <p:cNvCxnSpPr>
+            <a:cxnSpLocks/>
             <a:endCxn id="9" idx="1"/>
           </p:cNvCxnSpPr>
           <p:nvPr/>
@@ -5290,7 +5292,7 @@
         <p:spPr>
           <a:xfrm>
             <a:off x="3809999" y="4475487"/>
-            <a:ext cx="843190" cy="0"/>
+            <a:ext cx="843190" cy="2540"/>
           </a:xfrm>
           <a:prstGeom prst="straightConnector1">
             <a:avLst/>
@@ -5534,6 +5536,75 @@
                 <a:latin typeface="+mj-lt"/>
               </a:rPr>
               <a:t>Component</a:t>
+            </a:r>
+          </a:p>
+        </p:txBody>
+      </p:sp>
+      <p:sp>
+        <p:nvSpPr>
+          <p:cNvPr id="56" name="Rectangle: Rounded Corners 55">
+            <a:extLst>
+              <a:ext uri="{FF2B5EF4-FFF2-40B4-BE49-F238E27FC236}">
+                <a16:creationId xmlns:a16="http://schemas.microsoft.com/office/drawing/2014/main" id="{8170D63D-49D1-4C20-AFD8-F9863B10152C}"/>
+              </a:ext>
+            </a:extLst>
+          </p:cNvPr>
+          <p:cNvSpPr/>
+          <p:nvPr/>
+        </p:nvSpPr>
+        <p:spPr>
+          <a:xfrm>
+            <a:off x="4805589" y="4463890"/>
+            <a:ext cx="921191" cy="427343"/>
+          </a:xfrm>
+          <a:prstGeom prst="roundRect">
+            <a:avLst/>
+          </a:prstGeom>
+          <a:solidFill>
+            <a:schemeClr val="accent1">
+              <a:lumMod val="40000"/>
+              <a:lumOff val="60000"/>
+            </a:schemeClr>
+          </a:solidFill>
+        </p:spPr>
+        <p:style>
+          <a:lnRef idx="2">
+            <a:schemeClr val="accent1">
+              <a:shade val="50000"/>
+            </a:schemeClr>
+          </a:lnRef>
+          <a:fillRef idx="1">
+            <a:schemeClr val="accent1"/>
+          </a:fillRef>
+          <a:effectRef idx="0">
+            <a:schemeClr val="accent1"/>
+          </a:effectRef>
+          <a:fontRef idx="minor">
+            <a:schemeClr val="lt1"/>
+          </a:fontRef>
+        </p:style>
+        <p:txBody>
+          <a:bodyPr tIns="0" rtlCol="0" anchor="t" anchorCtr="0">
+            <a:noAutofit/>
+          </a:bodyPr>
+          <a:lstStyle/>
+          <a:p>
+            <a:pPr algn="ctr"/>
+            <a:r>
+              <a:rPr lang="en-US" sz="1600" dirty="0">
+                <a:ln>
+                  <a:solidFill>
+                    <a:schemeClr val="accent1">
+                      <a:shade val="50000"/>
+                    </a:schemeClr>
+                  </a:solidFill>
+                </a:ln>
+                <a:solidFill>
+                  <a:schemeClr val="tx1"/>
+                </a:solidFill>
+                <a:latin typeface="+mj-lt"/>
+              </a:rPr>
+              <a:t>State</a:t>
             </a:r>
           </a:p>
         </p:txBody>
@@ -5582,8 +5653,8 @@
         </p:nvSpPr>
         <p:spPr>
           <a:xfrm>
-            <a:off x="6548774" y="3850898"/>
-            <a:ext cx="1153747" cy="1066285"/>
+            <a:off x="6548774" y="3968684"/>
+            <a:ext cx="1303754" cy="1082639"/>
           </a:xfrm>
           <a:prstGeom prst="roundRect">
             <a:avLst/>
@@ -5957,7 +6028,7 @@
           </a:fontRef>
         </p:style>
         <p:txBody>
-          <a:bodyPr rtlCol="0" anchor="ctr">
+          <a:bodyPr tIns="0" rtlCol="0" anchor="t" anchorCtr="0">
             <a:noAutofit/>
           </a:bodyPr>
           <a:lstStyle/>
@@ -6695,6 +6766,75 @@
                 <a:latin typeface="+mj-lt"/>
               </a:rPr>
               <a:t>Component</a:t>
+            </a:r>
+          </a:p>
+        </p:txBody>
+      </p:sp>
+      <p:sp>
+        <p:nvSpPr>
+          <p:cNvPr id="25" name="Rectangle: Rounded Corners 24">
+            <a:extLst>
+              <a:ext uri="{FF2B5EF4-FFF2-40B4-BE49-F238E27FC236}">
+                <a16:creationId xmlns:a16="http://schemas.microsoft.com/office/drawing/2014/main" id="{F7D08673-D726-46EA-BC69-A57C56106046}"/>
+              </a:ext>
+            </a:extLst>
+          </p:cNvPr>
+          <p:cNvSpPr/>
+          <p:nvPr/>
+        </p:nvSpPr>
+        <p:spPr>
+          <a:xfrm>
+            <a:off x="6833173" y="4552838"/>
+            <a:ext cx="921191" cy="422262"/>
+          </a:xfrm>
+          <a:prstGeom prst="roundRect">
+            <a:avLst/>
+          </a:prstGeom>
+          <a:solidFill>
+            <a:schemeClr val="accent1">
+              <a:lumMod val="40000"/>
+              <a:lumOff val="60000"/>
+            </a:schemeClr>
+          </a:solidFill>
+        </p:spPr>
+        <p:style>
+          <a:lnRef idx="2">
+            <a:schemeClr val="accent1">
+              <a:shade val="50000"/>
+            </a:schemeClr>
+          </a:lnRef>
+          <a:fillRef idx="1">
+            <a:schemeClr val="accent1"/>
+          </a:fillRef>
+          <a:effectRef idx="0">
+            <a:schemeClr val="accent1"/>
+          </a:effectRef>
+          <a:fontRef idx="minor">
+            <a:schemeClr val="lt1"/>
+          </a:fontRef>
+        </p:style>
+        <p:txBody>
+          <a:bodyPr tIns="0" rtlCol="0" anchor="t" anchorCtr="0">
+            <a:noAutofit/>
+          </a:bodyPr>
+          <a:lstStyle/>
+          <a:p>
+            <a:pPr algn="ctr"/>
+            <a:r>
+              <a:rPr lang="en-US" sz="1600" dirty="0">
+                <a:ln>
+                  <a:solidFill>
+                    <a:schemeClr val="accent1">
+                      <a:shade val="50000"/>
+                    </a:schemeClr>
+                  </a:solidFill>
+                </a:ln>
+                <a:solidFill>
+                  <a:schemeClr val="tx1"/>
+                </a:solidFill>
+                <a:latin typeface="+mj-lt"/>
+              </a:rPr>
+              <a:t>State</a:t>
             </a:r>
           </a:p>
         </p:txBody>

--- a/images/reduxflow.pptx
+++ b/images/reduxflow.pptx
@@ -7,6 +7,7 @@
   <p:sldIdLst>
     <p:sldId id="256" r:id="rId2"/>
     <p:sldId id="258" r:id="rId3"/>
+    <p:sldId id="259" r:id="rId4"/>
   </p:sldIdLst>
   <p:sldSz cx="12192000" cy="6858000"/>
   <p:notesSz cx="6858000" cy="9144000"/>
@@ -260,7 +261,7 @@
           <a:p>
             <a:fld id="{97D8618B-6391-465C-8128-22C529F752F4}" type="datetimeFigureOut">
               <a:rPr lang="en-US" smtClean="0"/>
-              <a:t>3/30/2020</a:t>
+              <a:t>4/28/2020</a:t>
             </a:fld>
             <a:endParaRPr lang="en-US"/>
           </a:p>
@@ -458,7 +459,7 @@
           <a:p>
             <a:fld id="{97D8618B-6391-465C-8128-22C529F752F4}" type="datetimeFigureOut">
               <a:rPr lang="en-US" smtClean="0"/>
-              <a:t>3/30/2020</a:t>
+              <a:t>4/28/2020</a:t>
             </a:fld>
             <a:endParaRPr lang="en-US"/>
           </a:p>
@@ -666,7 +667,7 @@
           <a:p>
             <a:fld id="{97D8618B-6391-465C-8128-22C529F752F4}" type="datetimeFigureOut">
               <a:rPr lang="en-US" smtClean="0"/>
-              <a:t>3/30/2020</a:t>
+              <a:t>4/28/2020</a:t>
             </a:fld>
             <a:endParaRPr lang="en-US"/>
           </a:p>
@@ -864,7 +865,7 @@
           <a:p>
             <a:fld id="{97D8618B-6391-465C-8128-22C529F752F4}" type="datetimeFigureOut">
               <a:rPr lang="en-US" smtClean="0"/>
-              <a:t>3/30/2020</a:t>
+              <a:t>4/28/2020</a:t>
             </a:fld>
             <a:endParaRPr lang="en-US"/>
           </a:p>
@@ -1139,7 +1140,7 @@
           <a:p>
             <a:fld id="{97D8618B-6391-465C-8128-22C529F752F4}" type="datetimeFigureOut">
               <a:rPr lang="en-US" smtClean="0"/>
-              <a:t>3/30/2020</a:t>
+              <a:t>4/28/2020</a:t>
             </a:fld>
             <a:endParaRPr lang="en-US"/>
           </a:p>
@@ -1404,7 +1405,7 @@
           <a:p>
             <a:fld id="{97D8618B-6391-465C-8128-22C529F752F4}" type="datetimeFigureOut">
               <a:rPr lang="en-US" smtClean="0"/>
-              <a:t>3/30/2020</a:t>
+              <a:t>4/28/2020</a:t>
             </a:fld>
             <a:endParaRPr lang="en-US"/>
           </a:p>
@@ -1816,7 +1817,7 @@
           <a:p>
             <a:fld id="{97D8618B-6391-465C-8128-22C529F752F4}" type="datetimeFigureOut">
               <a:rPr lang="en-US" smtClean="0"/>
-              <a:t>3/30/2020</a:t>
+              <a:t>4/28/2020</a:t>
             </a:fld>
             <a:endParaRPr lang="en-US"/>
           </a:p>
@@ -1957,7 +1958,7 @@
           <a:p>
             <a:fld id="{97D8618B-6391-465C-8128-22C529F752F4}" type="datetimeFigureOut">
               <a:rPr lang="en-US" smtClean="0"/>
-              <a:t>3/30/2020</a:t>
+              <a:t>4/28/2020</a:t>
             </a:fld>
             <a:endParaRPr lang="en-US"/>
           </a:p>
@@ -2070,7 +2071,7 @@
           <a:p>
             <a:fld id="{97D8618B-6391-465C-8128-22C529F752F4}" type="datetimeFigureOut">
               <a:rPr lang="en-US" smtClean="0"/>
-              <a:t>3/30/2020</a:t>
+              <a:t>4/28/2020</a:t>
             </a:fld>
             <a:endParaRPr lang="en-US"/>
           </a:p>
@@ -2381,7 +2382,7 @@
           <a:p>
             <a:fld id="{97D8618B-6391-465C-8128-22C529F752F4}" type="datetimeFigureOut">
               <a:rPr lang="en-US" smtClean="0"/>
-              <a:t>3/30/2020</a:t>
+              <a:t>4/28/2020</a:t>
             </a:fld>
             <a:endParaRPr lang="en-US"/>
           </a:p>
@@ -2669,7 +2670,7 @@
           <a:p>
             <a:fld id="{97D8618B-6391-465C-8128-22C529F752F4}" type="datetimeFigureOut">
               <a:rPr lang="en-US" smtClean="0"/>
-              <a:t>3/30/2020</a:t>
+              <a:t>4/28/2020</a:t>
             </a:fld>
             <a:endParaRPr lang="en-US"/>
           </a:p>
@@ -2910,7 +2911,7 @@
           <a:p>
             <a:fld id="{97D8618B-6391-465C-8128-22C529F752F4}" type="datetimeFigureOut">
               <a:rPr lang="en-US" smtClean="0"/>
-              <a:t>3/30/2020</a:t>
+              <a:t>4/28/2020</a:t>
             </a:fld>
             <a:endParaRPr lang="en-US"/>
           </a:p>
@@ -6852,6 +6853,91 @@
 </p:sld>
 </file>
 
+<file path=ppt/slides/slide3.xml><?xml version="1.0" encoding="utf-8"?>
+<p:sld xmlns:a="http://schemas.openxmlformats.org/drawingml/2006/main" xmlns:r="http://schemas.openxmlformats.org/officeDocument/2006/relationships" xmlns:p="http://schemas.openxmlformats.org/presentationml/2006/main">
+  <p:cSld>
+    <p:spTree>
+      <p:nvGrpSpPr>
+        <p:cNvPr id="1" name=""/>
+        <p:cNvGrpSpPr/>
+        <p:nvPr/>
+      </p:nvGrpSpPr>
+      <p:grpSpPr>
+        <a:xfrm>
+          <a:off x="0" y="0"/>
+          <a:ext cx="0" cy="0"/>
+          <a:chOff x="0" y="0"/>
+          <a:chExt cx="0" cy="0"/>
+        </a:xfrm>
+      </p:grpSpPr>
+      <p:sp>
+        <p:nvSpPr>
+          <p:cNvPr id="2" name="Rectangle 1">
+            <a:extLst>
+              <a:ext uri="{FF2B5EF4-FFF2-40B4-BE49-F238E27FC236}">
+                <a16:creationId xmlns:a16="http://schemas.microsoft.com/office/drawing/2014/main" id="{1A162F4B-8F29-40AA-BE17-3365E679B0B4}"/>
+              </a:ext>
+            </a:extLst>
+          </p:cNvPr>
+          <p:cNvSpPr/>
+          <p:nvPr/>
+        </p:nvSpPr>
+        <p:spPr>
+          <a:xfrm>
+            <a:off x="5913899" y="3237473"/>
+            <a:ext cx="364202" cy="383054"/>
+          </a:xfrm>
+          <a:prstGeom prst="rect">
+            <a:avLst/>
+          </a:prstGeom>
+        </p:spPr>
+        <p:txBody>
+          <a:bodyPr wrap="none">
+            <a:spAutoFit/>
+          </a:bodyPr>
+          <a:lstStyle/>
+          <a:p>
+            <a:pPr>
+              <a:lnSpc>
+                <a:spcPct val="107000"/>
+              </a:lnSpc>
+              <a:spcAft>
+                <a:spcPts val="800"/>
+              </a:spcAft>
+            </a:pPr>
+            <a:r>
+              <a:rPr lang="en-US" dirty="0">
+                <a:solidFill>
+                  <a:srgbClr val="F4B183"/>
+                </a:solidFill>
+                <a:latin typeface="Aharoni" panose="02010803020104030203" pitchFamily="2" charset="-79"/>
+                <a:ea typeface="Calibri" panose="020F0502020204030204" pitchFamily="34" charset="0"/>
+                <a:cs typeface="Times New Roman" panose="02020603050405020304" pitchFamily="18" charset="0"/>
+              </a:rPr>
+              <a:t>G</a:t>
+            </a:r>
+            <a:endParaRPr lang="en-US" sz="1600" dirty="0">
+              <a:effectLst/>
+              <a:latin typeface="Calibri" panose="020F0502020204030204" pitchFamily="34" charset="0"/>
+              <a:ea typeface="Calibri" panose="020F0502020204030204" pitchFamily="34" charset="0"/>
+              <a:cs typeface="Times New Roman" panose="02020603050405020304" pitchFamily="18" charset="0"/>
+            </a:endParaRPr>
+          </a:p>
+        </p:txBody>
+      </p:sp>
+    </p:spTree>
+    <p:extLst>
+      <p:ext uri="{BB962C8B-B14F-4D97-AF65-F5344CB8AC3E}">
+        <p14:creationId xmlns:p14="http://schemas.microsoft.com/office/powerpoint/2010/main" val="27043875"/>
+      </p:ext>
+    </p:extLst>
+  </p:cSld>
+  <p:clrMapOvr>
+    <a:masterClrMapping/>
+  </p:clrMapOvr>
+</p:sld>
+</file>
+
 <file path=ppt/theme/theme1.xml><?xml version="1.0" encoding="utf-8"?>
 <a:theme xmlns:a="http://schemas.openxmlformats.org/drawingml/2006/main" name="Office Theme">
   <a:themeElements>
